--- a/演示文稿1.pptx
+++ b/演示文稿1.pptx
@@ -105,6 +105,11 @@
       </a:defRPr>
     </a:lvl9pPr>
   </p:defaultTextStyle>
+  <p:extLst>
+    <p:ext uri="{EFAFB233-063F-42B5-8137-9DF3F51BA10A}">
+      <p15:sldGuideLst xmlns:p15="http://schemas.microsoft.com/office/powerpoint/2012/main"/>
+    </p:ext>
+  </p:extLst>
 </p:presentation>
 </file>
 
@@ -239,7 +244,7 @@
           <a:p>
             <a:fld id="{DD1A520D-AC0E-A74E-A269-84CA54CCF87F}" type="datetimeFigureOut">
               <a:rPr kumimoji="1" lang="zh-CN" altLang="en-US" smtClean="0"/>
-              <a:t>2019/6/8</a:t>
+              <a:t>2019/6/12</a:t>
             </a:fld>
             <a:endParaRPr kumimoji="1" lang="zh-CN" altLang="en-US"/>
           </a:p>
@@ -409,7 +414,7 @@
           <a:p>
             <a:fld id="{DD1A520D-AC0E-A74E-A269-84CA54CCF87F}" type="datetimeFigureOut">
               <a:rPr kumimoji="1" lang="zh-CN" altLang="en-US" smtClean="0"/>
-              <a:t>2019/6/8</a:t>
+              <a:t>2019/6/12</a:t>
             </a:fld>
             <a:endParaRPr kumimoji="1" lang="zh-CN" altLang="en-US"/>
           </a:p>
@@ -589,7 +594,7 @@
           <a:p>
             <a:fld id="{DD1A520D-AC0E-A74E-A269-84CA54CCF87F}" type="datetimeFigureOut">
               <a:rPr kumimoji="1" lang="zh-CN" altLang="en-US" smtClean="0"/>
-              <a:t>2019/6/8</a:t>
+              <a:t>2019/6/12</a:t>
             </a:fld>
             <a:endParaRPr kumimoji="1" lang="zh-CN" altLang="en-US"/>
           </a:p>
@@ -759,7 +764,7 @@
           <a:p>
             <a:fld id="{DD1A520D-AC0E-A74E-A269-84CA54CCF87F}" type="datetimeFigureOut">
               <a:rPr kumimoji="1" lang="zh-CN" altLang="en-US" smtClean="0"/>
-              <a:t>2019/6/8</a:t>
+              <a:t>2019/6/12</a:t>
             </a:fld>
             <a:endParaRPr kumimoji="1" lang="zh-CN" altLang="en-US"/>
           </a:p>
@@ -1005,7 +1010,7 @@
           <a:p>
             <a:fld id="{DD1A520D-AC0E-A74E-A269-84CA54CCF87F}" type="datetimeFigureOut">
               <a:rPr kumimoji="1" lang="zh-CN" altLang="en-US" smtClean="0"/>
-              <a:t>2019/6/8</a:t>
+              <a:t>2019/6/12</a:t>
             </a:fld>
             <a:endParaRPr kumimoji="1" lang="zh-CN" altLang="en-US"/>
           </a:p>
@@ -1237,7 +1242,7 @@
           <a:p>
             <a:fld id="{DD1A520D-AC0E-A74E-A269-84CA54CCF87F}" type="datetimeFigureOut">
               <a:rPr kumimoji="1" lang="zh-CN" altLang="en-US" smtClean="0"/>
-              <a:t>2019/6/8</a:t>
+              <a:t>2019/6/12</a:t>
             </a:fld>
             <a:endParaRPr kumimoji="1" lang="zh-CN" altLang="en-US"/>
           </a:p>
@@ -1604,7 +1609,7 @@
           <a:p>
             <a:fld id="{DD1A520D-AC0E-A74E-A269-84CA54CCF87F}" type="datetimeFigureOut">
               <a:rPr kumimoji="1" lang="zh-CN" altLang="en-US" smtClean="0"/>
-              <a:t>2019/6/8</a:t>
+              <a:t>2019/6/12</a:t>
             </a:fld>
             <a:endParaRPr kumimoji="1" lang="zh-CN" altLang="en-US"/>
           </a:p>
@@ -1722,7 +1727,7 @@
           <a:p>
             <a:fld id="{DD1A520D-AC0E-A74E-A269-84CA54CCF87F}" type="datetimeFigureOut">
               <a:rPr kumimoji="1" lang="zh-CN" altLang="en-US" smtClean="0"/>
-              <a:t>2019/6/8</a:t>
+              <a:t>2019/6/12</a:t>
             </a:fld>
             <a:endParaRPr kumimoji="1" lang="zh-CN" altLang="en-US"/>
           </a:p>
@@ -1817,7 +1822,7 @@
           <a:p>
             <a:fld id="{DD1A520D-AC0E-A74E-A269-84CA54CCF87F}" type="datetimeFigureOut">
               <a:rPr kumimoji="1" lang="zh-CN" altLang="en-US" smtClean="0"/>
-              <a:t>2019/6/8</a:t>
+              <a:t>2019/6/12</a:t>
             </a:fld>
             <a:endParaRPr kumimoji="1" lang="zh-CN" altLang="en-US"/>
           </a:p>
@@ -2094,7 +2099,7 @@
           <a:p>
             <a:fld id="{DD1A520D-AC0E-A74E-A269-84CA54CCF87F}" type="datetimeFigureOut">
               <a:rPr kumimoji="1" lang="zh-CN" altLang="en-US" smtClean="0"/>
-              <a:t>2019/6/8</a:t>
+              <a:t>2019/6/12</a:t>
             </a:fld>
             <a:endParaRPr kumimoji="1" lang="zh-CN" altLang="en-US"/>
           </a:p>
@@ -2351,7 +2356,7 @@
           <a:p>
             <a:fld id="{DD1A520D-AC0E-A74E-A269-84CA54CCF87F}" type="datetimeFigureOut">
               <a:rPr kumimoji="1" lang="zh-CN" altLang="en-US" smtClean="0"/>
-              <a:t>2019/6/8</a:t>
+              <a:t>2019/6/12</a:t>
             </a:fld>
             <a:endParaRPr kumimoji="1" lang="zh-CN" altLang="en-US"/>
           </a:p>
@@ -2564,7 +2569,7 @@
           <a:p>
             <a:fld id="{DD1A520D-AC0E-A74E-A269-84CA54CCF87F}" type="datetimeFigureOut">
               <a:rPr kumimoji="1" lang="zh-CN" altLang="en-US" smtClean="0"/>
-              <a:t>2019/6/8</a:t>
+              <a:t>2019/6/12</a:t>
             </a:fld>
             <a:endParaRPr kumimoji="1" lang="zh-CN" altLang="en-US"/>
           </a:p>
@@ -3576,8 +3581,8 @@
           </a:fontRef>
         </p:style>
       </p:cxnSp>
-      <mc:AlternateContent xmlns:mc="http://schemas.openxmlformats.org/markup-compatibility/2006">
-        <mc:Choice xmlns:a14="http://schemas.microsoft.com/office/drawing/2010/main" Requires="a14">
+      <mc:AlternateContent xmlns:mc="http://schemas.openxmlformats.org/markup-compatibility/2006" xmlns:a14="http://schemas.microsoft.com/office/drawing/2010/main">
+        <mc:Choice Requires="a14">
           <p:sp>
             <p:nvSpPr>
               <p:cNvPr id="58" name="文本框 57">
@@ -3606,6 +3611,7 @@
               </a:bodyPr>
               <a:lstStyle/>
               <a:p>
+                <a:pPr/>
                 <a14:m>
                   <m:oMathPara xmlns:m="http://schemas.openxmlformats.org/officeDocument/2006/math">
                     <m:oMathParaPr>
@@ -3645,7 +3651,7 @@
             </p:txBody>
           </p:sp>
         </mc:Choice>
-        <mc:Fallback>
+        <mc:Fallback xmlns="">
           <p:sp>
             <p:nvSpPr>
               <p:cNvPr id="58" name="文本框 57">
@@ -3690,8 +3696,8 @@
           </p:sp>
         </mc:Fallback>
       </mc:AlternateContent>
-      <mc:AlternateContent xmlns:mc="http://schemas.openxmlformats.org/markup-compatibility/2006">
-        <mc:Choice xmlns:a14="http://schemas.microsoft.com/office/drawing/2010/main" Requires="a14">
+      <mc:AlternateContent xmlns:mc="http://schemas.openxmlformats.org/markup-compatibility/2006" xmlns:a14="http://schemas.microsoft.com/office/drawing/2010/main">
+        <mc:Choice Requires="a14">
           <p:sp>
             <p:nvSpPr>
               <p:cNvPr id="59" name="文本框 58">
@@ -3720,6 +3726,7 @@
               </a:bodyPr>
               <a:lstStyle/>
               <a:p>
+                <a:pPr/>
                 <a14:m>
                   <m:oMathPara xmlns:m="http://schemas.openxmlformats.org/officeDocument/2006/math">
                     <m:oMathParaPr>
@@ -3759,7 +3766,7 @@
             </p:txBody>
           </p:sp>
         </mc:Choice>
-        <mc:Fallback>
+        <mc:Fallback xmlns="">
           <p:sp>
             <p:nvSpPr>
               <p:cNvPr id="59" name="文本框 58">
@@ -3804,8 +3811,8 @@
           </p:sp>
         </mc:Fallback>
       </mc:AlternateContent>
-      <mc:AlternateContent xmlns:mc="http://schemas.openxmlformats.org/markup-compatibility/2006">
-        <mc:Choice xmlns:a14="http://schemas.microsoft.com/office/drawing/2010/main" Requires="a14">
+      <mc:AlternateContent xmlns:mc="http://schemas.openxmlformats.org/markup-compatibility/2006" xmlns:a14="http://schemas.microsoft.com/office/drawing/2010/main">
+        <mc:Choice Requires="a14">
           <p:sp>
             <p:nvSpPr>
               <p:cNvPr id="60" name="文本框 59">
@@ -3834,6 +3841,7 @@
               </a:bodyPr>
               <a:lstStyle/>
               <a:p>
+                <a:pPr/>
                 <a14:m>
                   <m:oMathPara xmlns:m="http://schemas.openxmlformats.org/officeDocument/2006/math">
                     <m:oMathParaPr>
@@ -3873,7 +3881,7 @@
             </p:txBody>
           </p:sp>
         </mc:Choice>
-        <mc:Fallback>
+        <mc:Fallback xmlns="">
           <p:sp>
             <p:nvSpPr>
               <p:cNvPr id="60" name="文本框 59">
@@ -3918,8 +3926,8 @@
           </p:sp>
         </mc:Fallback>
       </mc:AlternateContent>
-      <mc:AlternateContent xmlns:mc="http://schemas.openxmlformats.org/markup-compatibility/2006">
-        <mc:Choice xmlns:a14="http://schemas.microsoft.com/office/drawing/2010/main" Requires="a14">
+      <mc:AlternateContent xmlns:mc="http://schemas.openxmlformats.org/markup-compatibility/2006" xmlns:a14="http://schemas.microsoft.com/office/drawing/2010/main">
+        <mc:Choice Requires="a14">
           <p:sp>
             <p:nvSpPr>
               <p:cNvPr id="61" name="文本框 60">
@@ -3948,6 +3956,7 @@
               </a:bodyPr>
               <a:lstStyle/>
               <a:p>
+                <a:pPr/>
                 <a14:m>
                   <m:oMathPara xmlns:m="http://schemas.openxmlformats.org/officeDocument/2006/math">
                     <m:oMathParaPr>
@@ -3987,7 +3996,7 @@
             </p:txBody>
           </p:sp>
         </mc:Choice>
-        <mc:Fallback>
+        <mc:Fallback xmlns="">
           <p:sp>
             <p:nvSpPr>
               <p:cNvPr id="61" name="文本框 60">
@@ -4032,8 +4041,8 @@
           </p:sp>
         </mc:Fallback>
       </mc:AlternateContent>
-      <mc:AlternateContent xmlns:mc="http://schemas.openxmlformats.org/markup-compatibility/2006">
-        <mc:Choice xmlns:a14="http://schemas.microsoft.com/office/drawing/2010/main" Requires="a14">
+      <mc:AlternateContent xmlns:mc="http://schemas.openxmlformats.org/markup-compatibility/2006" xmlns:a14="http://schemas.microsoft.com/office/drawing/2010/main">
+        <mc:Choice Requires="a14">
           <p:sp>
             <p:nvSpPr>
               <p:cNvPr id="64" name="文本框 63">
@@ -4062,6 +4071,7 @@
               </a:bodyPr>
               <a:lstStyle/>
               <a:p>
+                <a:pPr/>
                 <a14:m>
                   <m:oMathPara xmlns:m="http://schemas.openxmlformats.org/officeDocument/2006/math">
                     <m:oMathParaPr>
@@ -4082,7 +4092,7 @@
             </p:txBody>
           </p:sp>
         </mc:Choice>
-        <mc:Fallback>
+        <mc:Fallback xmlns="">
           <p:sp>
             <p:nvSpPr>
               <p:cNvPr id="64" name="文本框 63">
@@ -4586,8 +4596,8 @@
           </a:p>
         </p:txBody>
       </p:sp>
-      <mc:AlternateContent xmlns:mc="http://schemas.openxmlformats.org/markup-compatibility/2006">
-        <mc:Choice xmlns:a14="http://schemas.microsoft.com/office/drawing/2010/main" Requires="a14">
+      <mc:AlternateContent xmlns:mc="http://schemas.openxmlformats.org/markup-compatibility/2006" xmlns:a14="http://schemas.microsoft.com/office/drawing/2010/main">
+        <mc:Choice Requires="a14">
           <p:sp>
             <p:nvSpPr>
               <p:cNvPr id="82" name="文本框 81">
@@ -4616,6 +4626,7 @@
               </a:bodyPr>
               <a:lstStyle/>
               <a:p>
+                <a:pPr/>
                 <a14:m>
                   <m:oMathPara xmlns:m="http://schemas.openxmlformats.org/officeDocument/2006/math">
                     <m:oMathParaPr>
@@ -4655,7 +4666,7 @@
             </p:txBody>
           </p:sp>
         </mc:Choice>
-        <mc:Fallback>
+        <mc:Fallback xmlns="">
           <p:sp>
             <p:nvSpPr>
               <p:cNvPr id="82" name="文本框 81">
@@ -4700,8 +4711,8 @@
           </p:sp>
         </mc:Fallback>
       </mc:AlternateContent>
-      <mc:AlternateContent xmlns:mc="http://schemas.openxmlformats.org/markup-compatibility/2006">
-        <mc:Choice xmlns:a14="http://schemas.microsoft.com/office/drawing/2010/main" Requires="a14">
+      <mc:AlternateContent xmlns:mc="http://schemas.openxmlformats.org/markup-compatibility/2006" xmlns:a14="http://schemas.microsoft.com/office/drawing/2010/main">
+        <mc:Choice Requires="a14">
           <p:sp>
             <p:nvSpPr>
               <p:cNvPr id="83" name="文本框 82">
@@ -4730,6 +4741,7 @@
               </a:bodyPr>
               <a:lstStyle/>
               <a:p>
+                <a:pPr/>
                 <a14:m>
                   <m:oMathPara xmlns:m="http://schemas.openxmlformats.org/officeDocument/2006/math">
                     <m:oMathParaPr>
@@ -4769,7 +4781,7 @@
             </p:txBody>
           </p:sp>
         </mc:Choice>
-        <mc:Fallback>
+        <mc:Fallback xmlns="">
           <p:sp>
             <p:nvSpPr>
               <p:cNvPr id="83" name="文本框 82">
@@ -4814,8 +4826,8 @@
           </p:sp>
         </mc:Fallback>
       </mc:AlternateContent>
-      <mc:AlternateContent xmlns:mc="http://schemas.openxmlformats.org/markup-compatibility/2006">
-        <mc:Choice xmlns:a14="http://schemas.microsoft.com/office/drawing/2010/main" Requires="a14">
+      <mc:AlternateContent xmlns:mc="http://schemas.openxmlformats.org/markup-compatibility/2006" xmlns:a14="http://schemas.microsoft.com/office/drawing/2010/main">
+        <mc:Choice Requires="a14">
           <p:sp>
             <p:nvSpPr>
               <p:cNvPr id="84" name="文本框 83">
@@ -4844,6 +4856,7 @@
               </a:bodyPr>
               <a:lstStyle/>
               <a:p>
+                <a:pPr/>
                 <a14:m>
                   <m:oMathPara xmlns:m="http://schemas.openxmlformats.org/officeDocument/2006/math">
                     <m:oMathParaPr>
@@ -4883,7 +4896,7 @@
             </p:txBody>
           </p:sp>
         </mc:Choice>
-        <mc:Fallback>
+        <mc:Fallback xmlns="">
           <p:sp>
             <p:nvSpPr>
               <p:cNvPr id="84" name="文本框 83">
@@ -4928,8 +4941,8 @@
           </p:sp>
         </mc:Fallback>
       </mc:AlternateContent>
-      <mc:AlternateContent xmlns:mc="http://schemas.openxmlformats.org/markup-compatibility/2006">
-        <mc:Choice xmlns:a14="http://schemas.microsoft.com/office/drawing/2010/main" Requires="a14">
+      <mc:AlternateContent xmlns:mc="http://schemas.openxmlformats.org/markup-compatibility/2006" xmlns:a14="http://schemas.microsoft.com/office/drawing/2010/main">
+        <mc:Choice Requires="a14">
           <p:sp>
             <p:nvSpPr>
               <p:cNvPr id="85" name="文本框 84">
@@ -4958,6 +4971,7 @@
               </a:bodyPr>
               <a:lstStyle/>
               <a:p>
+                <a:pPr/>
                 <a14:m>
                   <m:oMathPara xmlns:m="http://schemas.openxmlformats.org/officeDocument/2006/math">
                     <m:oMathParaPr>
@@ -4997,7 +5011,7 @@
             </p:txBody>
           </p:sp>
         </mc:Choice>
-        <mc:Fallback>
+        <mc:Fallback xmlns="">
           <p:sp>
             <p:nvSpPr>
               <p:cNvPr id="85" name="文本框 84">
@@ -5042,8 +5056,8 @@
           </p:sp>
         </mc:Fallback>
       </mc:AlternateContent>
-      <mc:AlternateContent xmlns:mc="http://schemas.openxmlformats.org/markup-compatibility/2006">
-        <mc:Choice xmlns:a14="http://schemas.microsoft.com/office/drawing/2010/main" Requires="a14">
+      <mc:AlternateContent xmlns:mc="http://schemas.openxmlformats.org/markup-compatibility/2006" xmlns:a14="http://schemas.microsoft.com/office/drawing/2010/main">
+        <mc:Choice Requires="a14">
           <p:sp>
             <p:nvSpPr>
               <p:cNvPr id="86" name="文本框 85">
@@ -5072,6 +5086,7 @@
               </a:bodyPr>
               <a:lstStyle/>
               <a:p>
+                <a:pPr/>
                 <a14:m>
                   <m:oMathPara xmlns:m="http://schemas.openxmlformats.org/officeDocument/2006/math">
                     <m:oMathParaPr>
@@ -5111,7 +5126,7 @@
             </p:txBody>
           </p:sp>
         </mc:Choice>
-        <mc:Fallback>
+        <mc:Fallback xmlns="">
           <p:sp>
             <p:nvSpPr>
               <p:cNvPr id="86" name="文本框 85">
@@ -5156,8 +5171,8 @@
           </p:sp>
         </mc:Fallback>
       </mc:AlternateContent>
-      <mc:AlternateContent xmlns:mc="http://schemas.openxmlformats.org/markup-compatibility/2006">
-        <mc:Choice xmlns:a14="http://schemas.microsoft.com/office/drawing/2010/main" Requires="a14">
+      <mc:AlternateContent xmlns:mc="http://schemas.openxmlformats.org/markup-compatibility/2006" xmlns:a14="http://schemas.microsoft.com/office/drawing/2010/main">
+        <mc:Choice Requires="a14">
           <p:sp>
             <p:nvSpPr>
               <p:cNvPr id="87" name="文本框 86">
@@ -5186,6 +5201,7 @@
               </a:bodyPr>
               <a:lstStyle/>
               <a:p>
+                <a:pPr/>
                 <a14:m>
                   <m:oMathPara xmlns:m="http://schemas.openxmlformats.org/officeDocument/2006/math">
                     <m:oMathParaPr>
@@ -5225,7 +5241,7 @@
             </p:txBody>
           </p:sp>
         </mc:Choice>
-        <mc:Fallback>
+        <mc:Fallback xmlns="">
           <p:sp>
             <p:nvSpPr>
               <p:cNvPr id="87" name="文本框 86">
@@ -5270,8 +5286,8 @@
           </p:sp>
         </mc:Fallback>
       </mc:AlternateContent>
-      <mc:AlternateContent xmlns:mc="http://schemas.openxmlformats.org/markup-compatibility/2006">
-        <mc:Choice xmlns:a14="http://schemas.microsoft.com/office/drawing/2010/main" Requires="a14">
+      <mc:AlternateContent xmlns:mc="http://schemas.openxmlformats.org/markup-compatibility/2006" xmlns:a14="http://schemas.microsoft.com/office/drawing/2010/main">
+        <mc:Choice Requires="a14">
           <p:sp>
             <p:nvSpPr>
               <p:cNvPr id="88" name="文本框 87">
@@ -5300,6 +5316,7 @@
               </a:bodyPr>
               <a:lstStyle/>
               <a:p>
+                <a:pPr/>
                 <a14:m>
                   <m:oMathPara xmlns:m="http://schemas.openxmlformats.org/officeDocument/2006/math">
                     <m:oMathParaPr>
@@ -5339,7 +5356,7 @@
             </p:txBody>
           </p:sp>
         </mc:Choice>
-        <mc:Fallback>
+        <mc:Fallback xmlns="">
           <p:sp>
             <p:nvSpPr>
               <p:cNvPr id="88" name="文本框 87">
@@ -5384,8 +5401,8 @@
           </p:sp>
         </mc:Fallback>
       </mc:AlternateContent>
-      <mc:AlternateContent xmlns:mc="http://schemas.openxmlformats.org/markup-compatibility/2006">
-        <mc:Choice xmlns:a14="http://schemas.microsoft.com/office/drawing/2010/main" Requires="a14">
+      <mc:AlternateContent xmlns:mc="http://schemas.openxmlformats.org/markup-compatibility/2006" xmlns:a14="http://schemas.microsoft.com/office/drawing/2010/main">
+        <mc:Choice Requires="a14">
           <p:sp>
             <p:nvSpPr>
               <p:cNvPr id="89" name="文本框 88">
@@ -5414,6 +5431,7 @@
               </a:bodyPr>
               <a:lstStyle/>
               <a:p>
+                <a:pPr/>
                 <a14:m>
                   <m:oMathPara xmlns:m="http://schemas.openxmlformats.org/officeDocument/2006/math">
                     <m:oMathParaPr>
@@ -5453,7 +5471,7 @@
             </p:txBody>
           </p:sp>
         </mc:Choice>
-        <mc:Fallback>
+        <mc:Fallback xmlns="">
           <p:sp>
             <p:nvSpPr>
               <p:cNvPr id="89" name="文本框 88">
@@ -5498,8 +5516,8 @@
           </p:sp>
         </mc:Fallback>
       </mc:AlternateContent>
-      <mc:AlternateContent xmlns:mc="http://schemas.openxmlformats.org/markup-compatibility/2006">
-        <mc:Choice xmlns:a14="http://schemas.microsoft.com/office/drawing/2010/main" Requires="a14">
+      <mc:AlternateContent xmlns:mc="http://schemas.openxmlformats.org/markup-compatibility/2006" xmlns:a14="http://schemas.microsoft.com/office/drawing/2010/main">
+        <mc:Choice Requires="a14">
           <p:sp>
             <p:nvSpPr>
               <p:cNvPr id="90" name="文本框 89">
@@ -5528,6 +5546,7 @@
               </a:bodyPr>
               <a:lstStyle/>
               <a:p>
+                <a:pPr/>
                 <a14:m>
                   <m:oMathPara xmlns:m="http://schemas.openxmlformats.org/officeDocument/2006/math">
                     <m:oMathParaPr>
@@ -5567,7 +5586,7 @@
             </p:txBody>
           </p:sp>
         </mc:Choice>
-        <mc:Fallback>
+        <mc:Fallback xmlns="">
           <p:sp>
             <p:nvSpPr>
               <p:cNvPr id="90" name="文本框 89">
@@ -5628,6 +5647,14 @@
 <file path=ppt/slides/slide2.xml><?xml version="1.0" encoding="utf-8"?>
 <p:sld xmlns:a="http://schemas.openxmlformats.org/drawingml/2006/main" xmlns:r="http://schemas.openxmlformats.org/officeDocument/2006/relationships" xmlns:p="http://schemas.openxmlformats.org/presentationml/2006/main">
   <p:cSld>
+    <p:bg>
+      <p:bgPr>
+        <a:solidFill>
+          <a:srgbClr val="F9F9F9"/>
+        </a:solidFill>
+        <a:effectLst/>
+      </p:bgPr>
+    </p:bg>
     <p:spTree>
       <p:nvGrpSpPr>
         <p:cNvPr id="1" name=""/>
@@ -6241,8 +6268,8 @@
           </a:fontRef>
         </p:style>
       </p:cxnSp>
-      <mc:AlternateContent xmlns:mc="http://schemas.openxmlformats.org/markup-compatibility/2006">
-        <mc:Choice xmlns:a14="http://schemas.microsoft.com/office/drawing/2010/main" Requires="a14">
+      <mc:AlternateContent xmlns:mc="http://schemas.openxmlformats.org/markup-compatibility/2006" xmlns:a14="http://schemas.microsoft.com/office/drawing/2010/main">
+        <mc:Choice Requires="a14">
           <p:sp>
             <p:nvSpPr>
               <p:cNvPr id="58" name="文本框 57">
@@ -6271,6 +6298,7 @@
               </a:bodyPr>
               <a:lstStyle/>
               <a:p>
+                <a:pPr/>
                 <a14:m>
                   <m:oMathPara xmlns:m="http://schemas.openxmlformats.org/officeDocument/2006/math">
                     <m:oMathParaPr>
@@ -6310,7 +6338,7 @@
             </p:txBody>
           </p:sp>
         </mc:Choice>
-        <mc:Fallback>
+        <mc:Fallback xmlns="">
           <p:sp>
             <p:nvSpPr>
               <p:cNvPr id="58" name="文本框 57">
@@ -6355,8 +6383,8 @@
           </p:sp>
         </mc:Fallback>
       </mc:AlternateContent>
-      <mc:AlternateContent xmlns:mc="http://schemas.openxmlformats.org/markup-compatibility/2006">
-        <mc:Choice xmlns:a14="http://schemas.microsoft.com/office/drawing/2010/main" Requires="a14">
+      <mc:AlternateContent xmlns:mc="http://schemas.openxmlformats.org/markup-compatibility/2006" xmlns:a14="http://schemas.microsoft.com/office/drawing/2010/main">
+        <mc:Choice Requires="a14">
           <p:sp>
             <p:nvSpPr>
               <p:cNvPr id="61" name="文本框 60">
@@ -6385,6 +6413,7 @@
               </a:bodyPr>
               <a:lstStyle/>
               <a:p>
+                <a:pPr/>
                 <a14:m>
                   <m:oMathPara xmlns:m="http://schemas.openxmlformats.org/officeDocument/2006/math">
                     <m:oMathParaPr>
@@ -6424,7 +6453,7 @@
             </p:txBody>
           </p:sp>
         </mc:Choice>
-        <mc:Fallback>
+        <mc:Fallback xmlns="">
           <p:sp>
             <p:nvSpPr>
               <p:cNvPr id="61" name="文本框 60">
@@ -6469,8 +6498,8 @@
           </p:sp>
         </mc:Fallback>
       </mc:AlternateContent>
-      <mc:AlternateContent xmlns:mc="http://schemas.openxmlformats.org/markup-compatibility/2006">
-        <mc:Choice xmlns:a14="http://schemas.microsoft.com/office/drawing/2010/main" Requires="a14">
+      <mc:AlternateContent xmlns:mc="http://schemas.openxmlformats.org/markup-compatibility/2006" xmlns:a14="http://schemas.microsoft.com/office/drawing/2010/main">
+        <mc:Choice Requires="a14">
           <p:sp>
             <p:nvSpPr>
               <p:cNvPr id="64" name="文本框 63">
@@ -6499,6 +6528,7 @@
               </a:bodyPr>
               <a:lstStyle/>
               <a:p>
+                <a:pPr/>
                 <a14:m>
                   <m:oMathPara xmlns:m="http://schemas.openxmlformats.org/officeDocument/2006/math">
                     <m:oMathParaPr>
@@ -6519,7 +6549,7 @@
             </p:txBody>
           </p:sp>
         </mc:Choice>
-        <mc:Fallback>
+        <mc:Fallback xmlns="">
           <p:sp>
             <p:nvSpPr>
               <p:cNvPr id="64" name="文本框 63">
@@ -7023,8 +7053,8 @@
           </a:p>
         </p:txBody>
       </p:sp>
-      <mc:AlternateContent xmlns:mc="http://schemas.openxmlformats.org/markup-compatibility/2006">
-        <mc:Choice xmlns:a14="http://schemas.microsoft.com/office/drawing/2010/main" Requires="a14">
+      <mc:AlternateContent xmlns:mc="http://schemas.openxmlformats.org/markup-compatibility/2006" xmlns:a14="http://schemas.microsoft.com/office/drawing/2010/main">
+        <mc:Choice Requires="a14">
           <p:sp>
             <p:nvSpPr>
               <p:cNvPr id="82" name="文本框 81">
@@ -7053,6 +7083,7 @@
               </a:bodyPr>
               <a:lstStyle/>
               <a:p>
+                <a:pPr/>
                 <a14:m>
                   <m:oMathPara xmlns:m="http://schemas.openxmlformats.org/officeDocument/2006/math">
                     <m:oMathParaPr>
@@ -7092,7 +7123,7 @@
             </p:txBody>
           </p:sp>
         </mc:Choice>
-        <mc:Fallback>
+        <mc:Fallback xmlns="">
           <p:sp>
             <p:nvSpPr>
               <p:cNvPr id="82" name="文本框 81">
@@ -7137,8 +7168,8 @@
           </p:sp>
         </mc:Fallback>
       </mc:AlternateContent>
-      <mc:AlternateContent xmlns:mc="http://schemas.openxmlformats.org/markup-compatibility/2006">
-        <mc:Choice xmlns:a14="http://schemas.microsoft.com/office/drawing/2010/main" Requires="a14">
+      <mc:AlternateContent xmlns:mc="http://schemas.openxmlformats.org/markup-compatibility/2006" xmlns:a14="http://schemas.microsoft.com/office/drawing/2010/main">
+        <mc:Choice Requires="a14">
           <p:sp>
             <p:nvSpPr>
               <p:cNvPr id="83" name="文本框 82">
@@ -7167,6 +7198,7 @@
               </a:bodyPr>
               <a:lstStyle/>
               <a:p>
+                <a:pPr/>
                 <a14:m>
                   <m:oMathPara xmlns:m="http://schemas.openxmlformats.org/officeDocument/2006/math">
                     <m:oMathParaPr>
@@ -7206,7 +7238,7 @@
             </p:txBody>
           </p:sp>
         </mc:Choice>
-        <mc:Fallback>
+        <mc:Fallback xmlns="">
           <p:sp>
             <p:nvSpPr>
               <p:cNvPr id="83" name="文本框 82">
@@ -7251,8 +7283,8 @@
           </p:sp>
         </mc:Fallback>
       </mc:AlternateContent>
-      <mc:AlternateContent xmlns:mc="http://schemas.openxmlformats.org/markup-compatibility/2006">
-        <mc:Choice xmlns:a14="http://schemas.microsoft.com/office/drawing/2010/main" Requires="a14">
+      <mc:AlternateContent xmlns:mc="http://schemas.openxmlformats.org/markup-compatibility/2006" xmlns:a14="http://schemas.microsoft.com/office/drawing/2010/main">
+        <mc:Choice Requires="a14">
           <p:sp>
             <p:nvSpPr>
               <p:cNvPr id="84" name="文本框 83">
@@ -7281,6 +7313,7 @@
               </a:bodyPr>
               <a:lstStyle/>
               <a:p>
+                <a:pPr/>
                 <a14:m>
                   <m:oMathPara xmlns:m="http://schemas.openxmlformats.org/officeDocument/2006/math">
                     <m:oMathParaPr>
@@ -7320,7 +7353,7 @@
             </p:txBody>
           </p:sp>
         </mc:Choice>
-        <mc:Fallback>
+        <mc:Fallback xmlns="">
           <p:sp>
             <p:nvSpPr>
               <p:cNvPr id="84" name="文本框 83">
@@ -7365,8 +7398,8 @@
           </p:sp>
         </mc:Fallback>
       </mc:AlternateContent>
-      <mc:AlternateContent xmlns:mc="http://schemas.openxmlformats.org/markup-compatibility/2006">
-        <mc:Choice xmlns:a14="http://schemas.microsoft.com/office/drawing/2010/main" Requires="a14">
+      <mc:AlternateContent xmlns:mc="http://schemas.openxmlformats.org/markup-compatibility/2006" xmlns:a14="http://schemas.microsoft.com/office/drawing/2010/main">
+        <mc:Choice Requires="a14">
           <p:sp>
             <p:nvSpPr>
               <p:cNvPr id="85" name="文本框 84">
@@ -7395,6 +7428,7 @@
               </a:bodyPr>
               <a:lstStyle/>
               <a:p>
+                <a:pPr/>
                 <a14:m>
                   <m:oMathPara xmlns:m="http://schemas.openxmlformats.org/officeDocument/2006/math">
                     <m:oMathParaPr>
@@ -7434,7 +7468,7 @@
             </p:txBody>
           </p:sp>
         </mc:Choice>
-        <mc:Fallback>
+        <mc:Fallback xmlns="">
           <p:sp>
             <p:nvSpPr>
               <p:cNvPr id="85" name="文本框 84">
@@ -7479,8 +7513,8 @@
           </p:sp>
         </mc:Fallback>
       </mc:AlternateContent>
-      <mc:AlternateContent xmlns:mc="http://schemas.openxmlformats.org/markup-compatibility/2006">
-        <mc:Choice xmlns:a14="http://schemas.microsoft.com/office/drawing/2010/main" Requires="a14">
+      <mc:AlternateContent xmlns:mc="http://schemas.openxmlformats.org/markup-compatibility/2006" xmlns:a14="http://schemas.microsoft.com/office/drawing/2010/main">
+        <mc:Choice Requires="a14">
           <p:sp>
             <p:nvSpPr>
               <p:cNvPr id="86" name="文本框 85">
@@ -7509,6 +7543,7 @@
               </a:bodyPr>
               <a:lstStyle/>
               <a:p>
+                <a:pPr/>
                 <a14:m>
                   <m:oMathPara xmlns:m="http://schemas.openxmlformats.org/officeDocument/2006/math">
                     <m:oMathParaPr>
@@ -7548,7 +7583,7 @@
             </p:txBody>
           </p:sp>
         </mc:Choice>
-        <mc:Fallback>
+        <mc:Fallback xmlns="">
           <p:sp>
             <p:nvSpPr>
               <p:cNvPr id="86" name="文本框 85">
@@ -7593,8 +7628,8 @@
           </p:sp>
         </mc:Fallback>
       </mc:AlternateContent>
-      <mc:AlternateContent xmlns:mc="http://schemas.openxmlformats.org/markup-compatibility/2006">
-        <mc:Choice xmlns:a14="http://schemas.microsoft.com/office/drawing/2010/main" Requires="a14">
+      <mc:AlternateContent xmlns:mc="http://schemas.openxmlformats.org/markup-compatibility/2006" xmlns:a14="http://schemas.microsoft.com/office/drawing/2010/main">
+        <mc:Choice Requires="a14">
           <p:sp>
             <p:nvSpPr>
               <p:cNvPr id="87" name="文本框 86">
@@ -7623,6 +7658,7 @@
               </a:bodyPr>
               <a:lstStyle/>
               <a:p>
+                <a:pPr/>
                 <a14:m>
                   <m:oMathPara xmlns:m="http://schemas.openxmlformats.org/officeDocument/2006/math">
                     <m:oMathParaPr>
@@ -7662,7 +7698,7 @@
             </p:txBody>
           </p:sp>
         </mc:Choice>
-        <mc:Fallback>
+        <mc:Fallback xmlns="">
           <p:sp>
             <p:nvSpPr>
               <p:cNvPr id="87" name="文本框 86">
@@ -7707,8 +7743,8 @@
           </p:sp>
         </mc:Fallback>
       </mc:AlternateContent>
-      <mc:AlternateContent xmlns:mc="http://schemas.openxmlformats.org/markup-compatibility/2006">
-        <mc:Choice xmlns:a14="http://schemas.microsoft.com/office/drawing/2010/main" Requires="a14">
+      <mc:AlternateContent xmlns:mc="http://schemas.openxmlformats.org/markup-compatibility/2006" xmlns:a14="http://schemas.microsoft.com/office/drawing/2010/main">
+        <mc:Choice Requires="a14">
           <p:sp>
             <p:nvSpPr>
               <p:cNvPr id="90" name="文本框 89">
@@ -7737,6 +7773,7 @@
               </a:bodyPr>
               <a:lstStyle/>
               <a:p>
+                <a:pPr/>
                 <a14:m>
                   <m:oMathPara xmlns:m="http://schemas.openxmlformats.org/officeDocument/2006/math">
                     <m:oMathParaPr>
@@ -7776,7 +7813,7 @@
             </p:txBody>
           </p:sp>
         </mc:Choice>
-        <mc:Fallback>
+        <mc:Fallback xmlns="">
           <p:sp>
             <p:nvSpPr>
               <p:cNvPr id="90" name="文本框 89">
@@ -7866,8 +7903,8 @@
           </a:fontRef>
         </p:style>
       </p:cxnSp>
-      <mc:AlternateContent xmlns:mc="http://schemas.openxmlformats.org/markup-compatibility/2006">
-        <mc:Choice xmlns:a14="http://schemas.microsoft.com/office/drawing/2010/main" Requires="a14">
+      <mc:AlternateContent xmlns:mc="http://schemas.openxmlformats.org/markup-compatibility/2006" xmlns:a14="http://schemas.microsoft.com/office/drawing/2010/main">
+        <mc:Choice Requires="a14">
           <p:sp>
             <p:nvSpPr>
               <p:cNvPr id="40" name="文本框 39">
@@ -7896,6 +7933,7 @@
               </a:bodyPr>
               <a:lstStyle/>
               <a:p>
+                <a:pPr/>
                 <a14:m>
                   <m:oMathPara xmlns:m="http://schemas.openxmlformats.org/officeDocument/2006/math">
                     <m:oMathParaPr>
@@ -7957,7 +7995,7 @@
             </p:txBody>
           </p:sp>
         </mc:Choice>
-        <mc:Fallback>
+        <mc:Fallback xmlns="">
           <p:sp>
             <p:nvSpPr>
               <p:cNvPr id="40" name="文本框 39">
@@ -8002,8 +8040,8 @@
           </p:sp>
         </mc:Fallback>
       </mc:AlternateContent>
-      <mc:AlternateContent xmlns:mc="http://schemas.openxmlformats.org/markup-compatibility/2006">
-        <mc:Choice xmlns:a14="http://schemas.microsoft.com/office/drawing/2010/main" Requires="a14">
+      <mc:AlternateContent xmlns:mc="http://schemas.openxmlformats.org/markup-compatibility/2006" xmlns:a14="http://schemas.microsoft.com/office/drawing/2010/main">
+        <mc:Choice Requires="a14">
           <p:sp>
             <p:nvSpPr>
               <p:cNvPr id="41" name="文本框 40">
@@ -8032,6 +8070,7 @@
               </a:bodyPr>
               <a:lstStyle/>
               <a:p>
+                <a:pPr/>
                 <a14:m>
                   <m:oMathPara xmlns:m="http://schemas.openxmlformats.org/officeDocument/2006/math">
                     <m:oMathParaPr>
@@ -8170,7 +8209,7 @@
             </p:txBody>
           </p:sp>
         </mc:Choice>
-        <mc:Fallback>
+        <mc:Fallback xmlns="">
           <p:sp>
             <p:nvSpPr>
               <p:cNvPr id="41" name="文本框 40">
@@ -8307,8 +8346,8 @@
           </a:fontRef>
         </p:style>
       </p:cxnSp>
-      <mc:AlternateContent xmlns:mc="http://schemas.openxmlformats.org/markup-compatibility/2006">
-        <mc:Choice xmlns:a14="http://schemas.microsoft.com/office/drawing/2010/main" Requires="a14">
+      <mc:AlternateContent xmlns:mc="http://schemas.openxmlformats.org/markup-compatibility/2006" xmlns:a14="http://schemas.microsoft.com/office/drawing/2010/main">
+        <mc:Choice Requires="a14">
           <p:sp>
             <p:nvSpPr>
               <p:cNvPr id="56" name="文本框 55">
@@ -8337,6 +8376,7 @@
               </a:bodyPr>
               <a:lstStyle/>
               <a:p>
+                <a:pPr/>
                 <a14:m>
                   <m:oMathPara xmlns:m="http://schemas.openxmlformats.org/officeDocument/2006/math">
                     <m:oMathParaPr>
@@ -8398,7 +8438,7 @@
             </p:txBody>
           </p:sp>
         </mc:Choice>
-        <mc:Fallback>
+        <mc:Fallback xmlns="">
           <p:sp>
             <p:nvSpPr>
               <p:cNvPr id="56" name="文本框 55">
